--- a/Class07/K-Means Ⅲ.pptx
+++ b/Class07/K-Means Ⅲ.pptx
@@ -5,18 +5,17 @@
     <p:sldMasterId id="2147483725" r:id="rId4"/>
   </p:sldMasterIdLst>
   <p:notesMasterIdLst>
-    <p:notesMasterId r:id="rId11"/>
+    <p:notesMasterId r:id="rId10"/>
   </p:notesMasterIdLst>
   <p:handoutMasterIdLst>
-    <p:handoutMasterId r:id="rId12"/>
+    <p:handoutMasterId r:id="rId11"/>
   </p:handoutMasterIdLst>
   <p:sldIdLst>
     <p:sldId id="256" r:id="rId5"/>
-    <p:sldId id="305" r:id="rId6"/>
-    <p:sldId id="300" r:id="rId7"/>
-    <p:sldId id="303" r:id="rId8"/>
-    <p:sldId id="302" r:id="rId9"/>
-    <p:sldId id="304" r:id="rId10"/>
+    <p:sldId id="300" r:id="rId6"/>
+    <p:sldId id="303" r:id="rId7"/>
+    <p:sldId id="302" r:id="rId8"/>
+    <p:sldId id="304" r:id="rId9"/>
   </p:sldIdLst>
   <p:sldSz cx="12192000" cy="6858000"/>
   <p:notesSz cx="6858000" cy="9144000"/>
@@ -121,7 +120,6 @@
         <p14:section name="默认分区" id="{AE50564F-E098-4FAB-A1D5-61B885E684A6}">
           <p14:sldIdLst>
             <p14:sldId id="256"/>
-            <p14:sldId id="305"/>
             <p14:sldId id="300"/>
             <p14:sldId id="303"/>
             <p14:sldId id="302"/>
@@ -257,10 +255,11 @@
             </c:spPr>
           </c:marker>
           <c:cat>
-            <c:strRef>
-              <c:f>Sheet1!$A$2:$A$8</c:f>
-              <c:strCache>
-                <c:ptCount val="7"/>
+            <c:numRef>
+              <c:f>Sheet1!$A$2:$A$5</c:f>
+              <c:numCache>
+                <c:formatCode>General</c:formatCode>
+                <c:ptCount val="4"/>
                 <c:pt idx="0">
                   <c:v>4</c:v>
                 </c:pt>
@@ -268,49 +267,31 @@
                   <c:v>8</c:v>
                 </c:pt>
                 <c:pt idx="2">
-                  <c:v>12</c:v>
+                  <c:v>16</c:v>
                 </c:pt>
                 <c:pt idx="3">
-                  <c:v>16</c:v>
+                  <c:v>32</c:v>
                 </c:pt>
-                <c:pt idx="4">
-                  <c:v>32 (./ execute)</c:v>
-                </c:pt>
-                <c:pt idx="5">
-                  <c:v>64(./ execute)</c:v>
-                </c:pt>
-                <c:pt idx="6">
-                  <c:v>160(./ execute)</c:v>
-                </c:pt>
-              </c:strCache>
-            </c:strRef>
+              </c:numCache>
+            </c:numRef>
           </c:cat>
           <c:val>
             <c:numRef>
-              <c:f>Sheet1!$B$2:$B$8</c:f>
+              <c:f>Sheet1!$B$2:$B$5</c:f>
               <c:numCache>
                 <c:formatCode>General</c:formatCode>
-                <c:ptCount val="7"/>
+                <c:ptCount val="4"/>
                 <c:pt idx="0">
-                  <c:v>46.948500000000003</c:v>
+                  <c:v>27.299099999999999</c:v>
                 </c:pt>
                 <c:pt idx="1">
-                  <c:v>48.445799999999998</c:v>
+                  <c:v>22.659500000000001</c:v>
                 </c:pt>
                 <c:pt idx="2">
-                  <c:v>40.829599999999999</c:v>
+                  <c:v>16.693899999999999</c:v>
                 </c:pt>
                 <c:pt idx="3">
-                  <c:v>41.494900000000001</c:v>
-                </c:pt>
-                <c:pt idx="4">
-                  <c:v>42.105899999999998</c:v>
-                </c:pt>
-                <c:pt idx="5">
-                  <c:v>29.1448</c:v>
-                </c:pt>
-                <c:pt idx="6">
-                  <c:v>12.7461</c:v>
+                  <c:v>14.2195</c:v>
                 </c:pt>
               </c:numCache>
             </c:numRef>
@@ -1142,10 +1123,10 @@
                   <c:v>8</c:v>
                 </c:pt>
                 <c:pt idx="2">
-                  <c:v>12</c:v>
+                  <c:v>16</c:v>
                 </c:pt>
                 <c:pt idx="3">
-                  <c:v>16</c:v>
+                  <c:v>32</c:v>
                 </c:pt>
               </c:numCache>
             </c:numRef>
@@ -1157,16 +1138,16 @@
                 <c:formatCode>General</c:formatCode>
                 <c:ptCount val="4"/>
                 <c:pt idx="0">
-                  <c:v>16.961200000000002</c:v>
+                  <c:v>9.2385000000000002</c:v>
                 </c:pt>
                 <c:pt idx="1">
-                  <c:v>8.5374999999999996</c:v>
+                  <c:v>4.6738999999999997</c:v>
                 </c:pt>
                 <c:pt idx="2">
-                  <c:v>5.8891</c:v>
+                  <c:v>2.5102000000000002</c:v>
                 </c:pt>
                 <c:pt idx="3">
-                  <c:v>4.7961</c:v>
+                  <c:v>1.4177</c:v>
                 </c:pt>
               </c:numCache>
             </c:numRef>
@@ -1539,10 +1520,10 @@
           </c:marker>
           <c:cat>
             <c:numRef>
-              <c:f>Sheet1!$A$2:$A$5</c:f>
+              <c:f>Sheet1!$A$2:$A$6</c:f>
               <c:numCache>
                 <c:formatCode>General</c:formatCode>
-                <c:ptCount val="4"/>
+                <c:ptCount val="5"/>
                 <c:pt idx="0">
                   <c:v>4</c:v>
                 </c:pt>
@@ -1555,26 +1536,32 @@
                 <c:pt idx="3">
                   <c:v>16</c:v>
                 </c:pt>
+                <c:pt idx="4">
+                  <c:v>32</c:v>
+                </c:pt>
               </c:numCache>
             </c:numRef>
           </c:cat>
           <c:val>
             <c:numRef>
-              <c:f>Sheet1!$B$2:$B$5</c:f>
+              <c:f>Sheet1!$B$2:$B$6</c:f>
               <c:numCache>
                 <c:formatCode>General</c:formatCode>
-                <c:ptCount val="4"/>
+                <c:ptCount val="5"/>
                 <c:pt idx="0">
-                  <c:v>16.961200000000002</c:v>
+                  <c:v>9.2385000000000002</c:v>
                 </c:pt>
                 <c:pt idx="1">
-                  <c:v>8.5374999999999996</c:v>
+                  <c:v>4.6738999999999997</c:v>
                 </c:pt>
                 <c:pt idx="2">
-                  <c:v>5.8891</c:v>
+                  <c:v>3.2250000000000001</c:v>
                 </c:pt>
                 <c:pt idx="3">
-                  <c:v>4.7961</c:v>
+                  <c:v>2.5102000000000002</c:v>
+                </c:pt>
+                <c:pt idx="4">
+                  <c:v>1.4177</c:v>
                 </c:pt>
               </c:numCache>
             </c:numRef>
@@ -1614,10 +1601,10 @@
           </c:marker>
           <c:cat>
             <c:numRef>
-              <c:f>Sheet1!$A$2:$A$5</c:f>
+              <c:f>Sheet1!$A$2:$A$6</c:f>
               <c:numCache>
                 <c:formatCode>General</c:formatCode>
-                <c:ptCount val="4"/>
+                <c:ptCount val="5"/>
                 <c:pt idx="0">
                   <c:v>4</c:v>
                 </c:pt>
@@ -1630,26 +1617,32 @@
                 <c:pt idx="3">
                   <c:v>16</c:v>
                 </c:pt>
+                <c:pt idx="4">
+                  <c:v>32</c:v>
+                </c:pt>
               </c:numCache>
             </c:numRef>
           </c:cat>
           <c:val>
             <c:numRef>
-              <c:f>Sheet1!$C$2:$C$5</c:f>
+              <c:f>Sheet1!$C$2:$C$6</c:f>
               <c:numCache>
                 <c:formatCode>General</c:formatCode>
-                <c:ptCount val="4"/>
+                <c:ptCount val="5"/>
                 <c:pt idx="0">
-                  <c:v>46.948500000000003</c:v>
+                  <c:v>27.299099999999999</c:v>
                 </c:pt>
                 <c:pt idx="1">
-                  <c:v>48.445799999999998</c:v>
+                  <c:v>22.659500000000001</c:v>
                 </c:pt>
                 <c:pt idx="2">
-                  <c:v>40.829599999999999</c:v>
+                  <c:v>18.963000000000001</c:v>
                 </c:pt>
                 <c:pt idx="3">
-                  <c:v>41.494900000000001</c:v>
+                  <c:v>16.693899999999999</c:v>
+                </c:pt>
+                <c:pt idx="4">
+                  <c:v>14.2195</c:v>
                 </c:pt>
               </c:numCache>
             </c:numRef>
@@ -1658,6 +1651,87 @@
           <c:extLst>
             <c:ext xmlns:c16="http://schemas.microsoft.com/office/drawing/2014/chart" uri="{C3380CC4-5D6E-409C-BE32-E72D297353CC}">
               <c16:uniqueId val="{00000001-74F4-401D-8B7F-87AAB3A4CA85}"/>
+            </c:ext>
+          </c:extLst>
+        </c:ser>
+        <c:ser>
+          <c:idx val="2"/>
+          <c:order val="2"/>
+          <c:tx>
+            <c:strRef>
+              <c:f>Sheet1!$D$1</c:f>
+              <c:strCache>
+                <c:ptCount val="1"/>
+                <c:pt idx="0">
+                  <c:v>singleRun</c:v>
+                </c:pt>
+              </c:strCache>
+            </c:strRef>
+          </c:tx>
+          <c:spPr>
+            <a:ln w="28575" cap="rnd">
+              <a:solidFill>
+                <a:schemeClr val="accent3"/>
+              </a:solidFill>
+              <a:round/>
+            </a:ln>
+            <a:effectLst/>
+          </c:spPr>
+          <c:marker>
+            <c:symbol val="none"/>
+          </c:marker>
+          <c:cat>
+            <c:numRef>
+              <c:f>Sheet1!$A$2:$A$6</c:f>
+              <c:numCache>
+                <c:formatCode>General</c:formatCode>
+                <c:ptCount val="5"/>
+                <c:pt idx="0">
+                  <c:v>4</c:v>
+                </c:pt>
+                <c:pt idx="1">
+                  <c:v>8</c:v>
+                </c:pt>
+                <c:pt idx="2">
+                  <c:v>12</c:v>
+                </c:pt>
+                <c:pt idx="3">
+                  <c:v>16</c:v>
+                </c:pt>
+                <c:pt idx="4">
+                  <c:v>32</c:v>
+                </c:pt>
+              </c:numCache>
+            </c:numRef>
+          </c:cat>
+          <c:val>
+            <c:numRef>
+              <c:f>Sheet1!$D$2:$D$6</c:f>
+              <c:numCache>
+                <c:formatCode>General</c:formatCode>
+                <c:ptCount val="5"/>
+                <c:pt idx="0">
+                  <c:v>66.947400000000002</c:v>
+                </c:pt>
+                <c:pt idx="1">
+                  <c:v>66.947400000000002</c:v>
+                </c:pt>
+                <c:pt idx="2">
+                  <c:v>66.947400000000002</c:v>
+                </c:pt>
+                <c:pt idx="3">
+                  <c:v>66.947400000000002</c:v>
+                </c:pt>
+                <c:pt idx="4">
+                  <c:v>66.947400000000002</c:v>
+                </c:pt>
+              </c:numCache>
+            </c:numRef>
+          </c:val>
+          <c:smooth val="0"/>
+          <c:extLst>
+            <c:ext xmlns:c16="http://schemas.microsoft.com/office/drawing/2014/chart" uri="{C3380CC4-5D6E-409C-BE32-E72D297353CC}">
+              <c16:uniqueId val="{00000001-38D3-4554-BD9A-15EA2D8CFB26}"/>
             </c:ext>
           </c:extLst>
         </c:ser>
@@ -4299,7 +4373,7 @@
                 <a:latin typeface="Microsoft YaHei UI" panose="020B0503020204020204" pitchFamily="34" charset="-122"/>
                 <a:ea typeface="Microsoft YaHei UI" panose="020B0503020204020204" pitchFamily="34" charset="-122"/>
               </a:rPr>
-              <a:t>2021/11/15</a:t>
+              <a:t>2021/11/29</a:t>
             </a:fld>
             <a:endParaRPr lang="zh-CN" altLang="en-US">
               <a:latin typeface="Microsoft YaHei UI" panose="020B0503020204020204" pitchFamily="34" charset="-122"/>
@@ -4497,7 +4571,7 @@
           <a:p>
             <a:fld id="{BF4F81B9-E7B7-4E7B-B69F-89A4D3E29C71}" type="datetime1">
               <a:rPr lang="zh-CN" altLang="en-US" smtClean="0"/>
-              <a:t>2021/11/15</a:t>
+              <a:t>2021/11/29</a:t>
             </a:fld>
             <a:endParaRPr lang="zh-CN" altLang="en-US"/>
           </a:p>
@@ -4936,7 +5010,7 @@
               <a:rPr lang="en-US" altLang="zh-CN" smtClean="0">
                 <a:ea typeface="Microsoft YaHei UI" panose="020B0503020204020204" pitchFamily="34" charset="-122"/>
               </a:rPr>
-              <a:t>3</a:t>
+              <a:t>2</a:t>
             </a:fld>
             <a:endParaRPr lang="zh-CN" altLang="en-US">
               <a:ea typeface="Microsoft YaHei UI" panose="020B0503020204020204" pitchFamily="34" charset="-122"/>
@@ -5028,7 +5102,7 @@
               <a:rPr lang="en-US" altLang="zh-CN" smtClean="0">
                 <a:ea typeface="Microsoft YaHei UI" panose="020B0503020204020204" pitchFamily="34" charset="-122"/>
               </a:rPr>
-              <a:t>4</a:t>
+              <a:t>3</a:t>
             </a:fld>
             <a:endParaRPr lang="zh-CN" altLang="en-US">
               <a:ea typeface="Microsoft YaHei UI" panose="020B0503020204020204" pitchFamily="34" charset="-122"/>
@@ -5120,7 +5194,7 @@
               <a:rPr lang="en-US" altLang="zh-CN" smtClean="0">
                 <a:ea typeface="Microsoft YaHei UI" panose="020B0503020204020204" pitchFamily="34" charset="-122"/>
               </a:rPr>
-              <a:t>5</a:t>
+              <a:t>4</a:t>
             </a:fld>
             <a:endParaRPr lang="zh-CN" altLang="en-US">
               <a:ea typeface="Microsoft YaHei UI" panose="020B0503020204020204" pitchFamily="34" charset="-122"/>
@@ -5212,7 +5286,7 @@
               <a:rPr lang="en-US" altLang="zh-CN" smtClean="0">
                 <a:ea typeface="Microsoft YaHei UI" panose="020B0503020204020204" pitchFamily="34" charset="-122"/>
               </a:rPr>
-              <a:t>6</a:t>
+              <a:t>5</a:t>
             </a:fld>
             <a:endParaRPr lang="zh-CN" altLang="en-US">
               <a:ea typeface="Microsoft YaHei UI" panose="020B0503020204020204" pitchFamily="34" charset="-122"/>
@@ -5488,7 +5562,7 @@
           <a:p>
             <a:fld id="{E458886E-27D1-4675-806E-C55C22DB0345}" type="datetime1">
               <a:rPr lang="zh-CN" altLang="en-US" smtClean="0"/>
-              <a:t>2021/11/15</a:t>
+              <a:t>2021/11/29</a:t>
             </a:fld>
             <a:endParaRPr lang="zh-CN" altLang="en-US"/>
           </a:p>
@@ -5880,7 +5954,7 @@
           <a:p>
             <a:fld id="{F8E8AF2B-C74D-4992-90FD-D4BD80A93AAE}" type="datetime1">
               <a:rPr lang="zh-CN" altLang="en-US" smtClean="0"/>
-              <a:t>2021/11/15</a:t>
+              <a:t>2021/11/29</a:t>
             </a:fld>
             <a:endParaRPr lang="zh-CN" altLang="en-US"/>
           </a:p>
@@ -6465,7 +6539,7 @@
           <a:p>
             <a:fld id="{DB168A20-771C-438D-BB7A-9755CC93A15E}" type="datetime1">
               <a:rPr lang="zh-CN" altLang="en-US" smtClean="0"/>
-              <a:t>2021/11/15</a:t>
+              <a:t>2021/11/29</a:t>
             </a:fld>
             <a:endParaRPr lang="zh-CN" altLang="en-US"/>
           </a:p>
@@ -6840,7 +6914,7 @@
           <a:p>
             <a:fld id="{85204767-B8F5-4999-A975-843AC0C1B6E1}" type="datetime1">
               <a:rPr lang="zh-CN" altLang="en-US" smtClean="0"/>
-              <a:t>2021/11/15</a:t>
+              <a:t>2021/11/29</a:t>
             </a:fld>
             <a:endParaRPr lang="zh-CN" altLang="en-US"/>
           </a:p>
@@ -7230,7 +7304,7 @@
           <a:p>
             <a:fld id="{D0D94A69-6EFD-4CC1-853A-CA16482D9B01}" type="datetime1">
               <a:rPr lang="zh-CN" altLang="en-US" smtClean="0"/>
-              <a:t>2021/11/15</a:t>
+              <a:t>2021/11/29</a:t>
             </a:fld>
             <a:endParaRPr lang="zh-CN" altLang="en-US"/>
           </a:p>
@@ -7417,7 +7491,7 @@
           <a:p>
             <a:fld id="{00E1F316-999D-4B05-AFD8-C2357A75E539}" type="datetime1">
               <a:rPr lang="zh-CN" altLang="en-US" smtClean="0"/>
-              <a:t>2021/11/15</a:t>
+              <a:t>2021/11/29</a:t>
             </a:fld>
             <a:endParaRPr lang="zh-CN" altLang="en-US"/>
           </a:p>
@@ -7916,7 +7990,7 @@
           <a:p>
             <a:fld id="{19C9E7F7-15CE-460C-9F89-70CE601B8305}" type="datetime1">
               <a:rPr lang="zh-CN" altLang="en-US" smtClean="0"/>
-              <a:t>2021/11/15</a:t>
+              <a:t>2021/11/29</a:t>
             </a:fld>
             <a:endParaRPr lang="zh-CN" altLang="en-US"/>
           </a:p>
@@ -8431,7 +8505,7 @@
           <a:p>
             <a:fld id="{DA7C66F6-A859-4203-956E-7EAD13C02C76}" type="datetime1">
               <a:rPr lang="zh-CN" altLang="en-US" smtClean="0"/>
-              <a:t>2021/11/15</a:t>
+              <a:t>2021/11/29</a:t>
             </a:fld>
             <a:endParaRPr lang="zh-CN" altLang="en-US"/>
           </a:p>
@@ -8651,7 +8725,7 @@
           <a:p>
             <a:fld id="{37BA9A28-992F-422F-95C5-8635C0FD683B}" type="datetime1">
               <a:rPr lang="zh-CN" altLang="en-US" smtClean="0"/>
-              <a:t>2021/11/15</a:t>
+              <a:t>2021/11/29</a:t>
             </a:fld>
             <a:endParaRPr lang="zh-CN" altLang="en-US"/>
           </a:p>
@@ -9339,7 +9413,7 @@
           <a:p>
             <a:fld id="{2EE433F9-04F3-4E93-99F0-E3AA2049B63F}" type="datetime1">
               <a:rPr lang="zh-CN" altLang="en-US" smtClean="0"/>
-              <a:t>2021/11/15</a:t>
+              <a:t>2021/11/29</a:t>
             </a:fld>
             <a:endParaRPr lang="zh-CN" altLang="en-US"/>
           </a:p>
@@ -9503,7 +9577,7 @@
           <a:p>
             <a:fld id="{BC48AE5B-5430-42D5-9004-91B01CE11C23}" type="datetime1">
               <a:rPr lang="zh-CN" altLang="en-US" smtClean="0"/>
-              <a:t>2021/11/15</a:t>
+              <a:t>2021/11/29</a:t>
             </a:fld>
             <a:endParaRPr lang="zh-CN" altLang="en-US"/>
           </a:p>
@@ -9682,7 +9756,7 @@
           <a:p>
             <a:fld id="{4A0885B7-5398-44D7-9040-68160B317326}" type="datetime1">
               <a:rPr lang="zh-CN" altLang="en-US" smtClean="0"/>
-              <a:t>2021/11/15</a:t>
+              <a:t>2021/11/29</a:t>
             </a:fld>
             <a:endParaRPr lang="zh-CN" altLang="en-US"/>
           </a:p>
@@ -9968,7 +10042,7 @@
               <a:rPr lang="zh-CN" altLang="en-US" smtClean="0">
                 <a:ea typeface="Microsoft YaHei UI" panose="020B0503020204020204" pitchFamily="34" charset="-122"/>
               </a:rPr>
-              <a:t>2021/11/15</a:t>
+              <a:t>2021/11/29</a:t>
             </a:fld>
             <a:endParaRPr lang="zh-CN" altLang="en-US" dirty="0">
               <a:ea typeface="Microsoft YaHei UI" panose="020B0503020204020204" pitchFamily="34" charset="-122"/>
@@ -10787,40 +10861,54 @@
           <a:chExt cx="0" cy="0"/>
         </a:xfrm>
       </p:grpSpPr>
-      <p:sp>
-        <p:nvSpPr>
-          <p:cNvPr id="2" name="页脚占位符 1">
+      <p:pic>
+        <p:nvPicPr>
+          <p:cNvPr id="16" name="图片占位符 15" descr="男士展示笔记本电脑上的内容">
             <a:extLst>
               <a:ext uri="{FF2B5EF4-FFF2-40B4-BE49-F238E27FC236}">
-                <a16:creationId xmlns:a16="http://schemas.microsoft.com/office/drawing/2014/main" id="{4D130C48-9411-4280-A0DF-5E69293B58D0}"/>
+                <a16:creationId xmlns:a16="http://schemas.microsoft.com/office/drawing/2014/main" id="{22FB2237-B866-4C19-BF30-A9BFA8E15C02}"/>
               </a:ext>
             </a:extLst>
           </p:cNvPr>
-          <p:cNvSpPr>
-            <a:spLocks noGrp="1"/>
-          </p:cNvSpPr>
+          <p:cNvPicPr>
+            <a:picLocks noGrp="1" noChangeAspect="1"/>
+          </p:cNvPicPr>
           <p:nvPr>
-            <p:ph type="ftr" sz="quarter" idx="11"/>
+            <p:ph type="pic" sz="quarter" idx="13"/>
           </p:nvPr>
-        </p:nvSpPr>
-        <p:spPr/>
-        <p:txBody>
-          <a:bodyPr/>
-          <a:lstStyle/>
-          <a:p>
-            <a:r>
-              <a:rPr lang="zh-CN" altLang="en-US"/>
-              <a:t>授课</a:t>
-            </a:r>
-          </a:p>
-        </p:txBody>
-      </p:sp>
+        </p:nvPicPr>
+        <p:blipFill>
+          <a:blip r:embed="rId3">
+            <a:duotone>
+              <a:prstClr val="black"/>
+              <a:schemeClr val="accent1">
+                <a:tint val="45000"/>
+                <a:satMod val="400000"/>
+              </a:schemeClr>
+            </a:duotone>
+            <a:alphaModFix amt="10000"/>
+            <a:extLst>
+              <a:ext uri="{28A0092B-C50C-407E-A947-70E740481C1C}">
+                <a14:useLocalDpi xmlns:a14="http://schemas.microsoft.com/office/drawing/2010/main" val="0"/>
+              </a:ext>
+            </a:extLst>
+          </a:blip>
+          <a:srcRect/>
+          <a:stretch/>
+        </p:blipFill>
+        <p:spPr>
+          <a:xfrm>
+            <a:off x="2211" y="0"/>
+            <a:ext cx="12187578" cy="6408000"/>
+          </a:xfrm>
+        </p:spPr>
+      </p:pic>
       <p:sp>
         <p:nvSpPr>
-          <p:cNvPr id="3" name="灯片编号占位符 2">
+          <p:cNvPr id="17" name="灯片编号占位符 16">
             <a:extLst>
               <a:ext uri="{FF2B5EF4-FFF2-40B4-BE49-F238E27FC236}">
-                <a16:creationId xmlns:a16="http://schemas.microsoft.com/office/drawing/2014/main" id="{144DC6F0-1A11-4A3F-B77C-D474F17FFC3E}"/>
+                <a16:creationId xmlns:a16="http://schemas.microsoft.com/office/drawing/2014/main" id="{19D203D7-52C0-41AB-9238-F69D51235EC0}"/>
               </a:ext>
             </a:extLst>
           </p:cNvPr>
@@ -10833,42 +10921,29 @@
         </p:nvSpPr>
         <p:spPr/>
         <p:txBody>
-          <a:bodyPr/>
+          <a:bodyPr rtlCol="0"/>
           <a:lstStyle/>
           <a:p>
+            <a:pPr rtl="0"/>
             <a:fld id="{3A98EE3D-8CD1-4C3F-BD1C-C98C9596463C}" type="slidenum">
-              <a:rPr lang="en-US" altLang="zh-CN" smtClean="0"/>
-              <a:pPr/>
+              <a:rPr lang="en-US" altLang="zh-CN" smtClean="0">
+                <a:ea typeface="Microsoft YaHei UI" panose="020B0503020204020204" pitchFamily="34" charset="-122"/>
+              </a:rPr>
+              <a:pPr rtl="0"/>
               <a:t>2</a:t>
             </a:fld>
-            <a:endParaRPr lang="zh-CN" altLang="en-US"/>
+            <a:endParaRPr lang="zh-CN" altLang="en-US">
+              <a:ea typeface="Microsoft YaHei UI" panose="020B0503020204020204" pitchFamily="34" charset="-122"/>
+            </a:endParaRPr>
           </a:p>
         </p:txBody>
-      </p:sp>
-      <p:sp>
-        <p:nvSpPr>
-          <p:cNvPr id="4" name="图片占位符 3">
-            <a:extLst>
-              <a:ext uri="{FF2B5EF4-FFF2-40B4-BE49-F238E27FC236}">
-                <a16:creationId xmlns:a16="http://schemas.microsoft.com/office/drawing/2014/main" id="{593672AE-0109-4A9E-9191-96C676CBD24B}"/>
-              </a:ext>
-            </a:extLst>
-          </p:cNvPr>
-          <p:cNvSpPr>
-            <a:spLocks noGrp="1"/>
-          </p:cNvSpPr>
-          <p:nvPr>
-            <p:ph type="pic" sz="quarter" idx="13"/>
-          </p:nvPr>
-        </p:nvSpPr>
-        <p:spPr/>
       </p:sp>
       <p:sp>
         <p:nvSpPr>
           <p:cNvPr id="5" name="标题 4">
             <a:extLst>
               <a:ext uri="{FF2B5EF4-FFF2-40B4-BE49-F238E27FC236}">
-                <a16:creationId xmlns:a16="http://schemas.microsoft.com/office/drawing/2014/main" id="{459F8595-B436-43C5-9047-90B4556C6C0D}"/>
+                <a16:creationId xmlns:a16="http://schemas.microsoft.com/office/drawing/2014/main" id="{8AD2E63C-40F7-4CF4-BE57-F002221AABF4}"/>
               </a:ext>
             </a:extLst>
           </p:cNvPr>
@@ -10881,61 +10956,69 @@
         </p:nvSpPr>
         <p:spPr/>
         <p:txBody>
-          <a:bodyPr/>
+          <a:bodyPr rtlCol="0"/>
           <a:lstStyle/>
           <a:p>
             <a:r>
-              <a:rPr lang="ru-RU" altLang="zh-CN" dirty="0"/>
-              <a:t>Сравнение времени работы алгоритмов на </a:t>
+              <a:rPr lang="en-US" altLang="zh-CN" b="1" i="0" dirty="0">
+                <a:solidFill>
+                  <a:srgbClr val="4F4F4F"/>
+                </a:solidFill>
+                <a:effectLst/>
+                <a:latin typeface="PingFang SC"/>
+              </a:rPr>
+              <a:t>K-means </a:t>
             </a:r>
             <a:r>
-              <a:rPr lang="en-US" altLang="zh-CN" dirty="0"/>
-              <a:t>Polus</a:t>
+              <a:rPr lang="en-US" altLang="zh-CN" b="1" dirty="0">
+                <a:solidFill>
+                  <a:srgbClr val="4F4F4F"/>
+                </a:solidFill>
+                <a:latin typeface="PingFang SC"/>
+              </a:rPr>
+              <a:t>OpenMP</a:t>
             </a:r>
-            <a:endParaRPr lang="zh-CN" altLang="en-US" dirty="0"/>
+            <a:endParaRPr lang="zh-CN" altLang="ru-RU" dirty="0">
+              <a:ea typeface="Microsoft YaHei UI" panose="020B0503020204020204" pitchFamily="34" charset="-122"/>
+            </a:endParaRPr>
           </a:p>
         </p:txBody>
       </p:sp>
-      <p:sp>
-        <p:nvSpPr>
-          <p:cNvPr id="6" name="内容占位符 5">
+      <p:graphicFrame>
+        <p:nvGraphicFramePr>
+          <p:cNvPr id="4" name="内容占位符 3">
             <a:extLst>
               <a:ext uri="{FF2B5EF4-FFF2-40B4-BE49-F238E27FC236}">
-                <a16:creationId xmlns:a16="http://schemas.microsoft.com/office/drawing/2014/main" id="{A09CEAE9-C115-4C15-854A-BB5E20359F2B}"/>
+                <a16:creationId xmlns:a16="http://schemas.microsoft.com/office/drawing/2014/main" id="{33A0A7B9-76B9-44E1-879C-D6119B4506F2}"/>
               </a:ext>
             </a:extLst>
           </p:cNvPr>
-          <p:cNvSpPr>
-            <a:spLocks noGrp="1"/>
-          </p:cNvSpPr>
+          <p:cNvGraphicFramePr>
+            <a:graphicFrameLocks noGrp="1"/>
+          </p:cNvGraphicFramePr>
           <p:nvPr>
             <p:ph sz="half" idx="1"/>
+            <p:extLst>
+              <p:ext uri="{D42A27DB-BD31-4B8C-83A1-F6EECF244321}">
+                <p14:modId xmlns:p14="http://schemas.microsoft.com/office/powerpoint/2010/main" val="3761511198"/>
+              </p:ext>
+            </p:extLst>
           </p:nvPr>
-        </p:nvSpPr>
-        <p:spPr/>
-        <p:txBody>
-          <a:bodyPr/>
-          <a:lstStyle/>
-          <a:p>
-            <a:r>
-              <a:rPr lang="ru-RU" altLang="zh-CN" dirty="0"/>
-              <a:t>Для MPI и OpenMP при использовании mpisubmit.pl с более чем 16 потоками возникнет ошибка.</a:t>
-            </a:r>
-            <a:endParaRPr lang="en-US" altLang="zh-CN" dirty="0"/>
-          </a:p>
-          <a:p>
-            <a:r>
-              <a:rPr lang="ru-RU" altLang="zh-CN" dirty="0"/>
-              <a:t>Возможны проблемы с алгоритмом OpenMP, потому что его результаты имеют большое отклонение от других алгоритмов.</a:t>
-            </a:r>
-            <a:endParaRPr lang="zh-CN" altLang="en-US" dirty="0"/>
-          </a:p>
-        </p:txBody>
-      </p:sp>
+        </p:nvGraphicFramePr>
+        <p:xfrm>
+          <a:off x="514350" y="1812925"/>
+          <a:ext cx="10906125" cy="4283075"/>
+        </p:xfrm>
+        <a:graphic>
+          <a:graphicData uri="http://schemas.openxmlformats.org/drawingml/2006/chart">
+            <c:chart xmlns:c="http://schemas.openxmlformats.org/drawingml/2006/chart" xmlns:r="http://schemas.openxmlformats.org/officeDocument/2006/relationships" r:id="rId4"/>
+          </a:graphicData>
+        </a:graphic>
+      </p:graphicFrame>
     </p:spTree>
     <p:extLst>
       <p:ext uri="{BB962C8B-B14F-4D97-AF65-F5344CB8AC3E}">
-        <p14:creationId xmlns:p14="http://schemas.microsoft.com/office/powerpoint/2010/main" val="65288341"/>
+        <p14:creationId xmlns:p14="http://schemas.microsoft.com/office/powerpoint/2010/main" val="3823607559"/>
       </p:ext>
     </p:extLst>
   </p:cSld>
@@ -11061,23 +11144,8 @@
           <a:lstStyle/>
           <a:p>
             <a:r>
-              <a:rPr lang="en-US" altLang="zh-CN" b="1" i="0" dirty="0">
-                <a:solidFill>
-                  <a:srgbClr val="4F4F4F"/>
-                </a:solidFill>
-                <a:effectLst/>
-                <a:latin typeface="PingFang SC"/>
-              </a:rPr>
-              <a:t>K-means </a:t>
-            </a:r>
-            <a:r>
-              <a:rPr lang="en-US" altLang="zh-CN" b="1" dirty="0">
-                <a:solidFill>
-                  <a:srgbClr val="4F4F4F"/>
-                </a:solidFill>
-                <a:latin typeface="PingFang SC"/>
-              </a:rPr>
-              <a:t>OpenMP</a:t>
+              <a:rPr lang="en-US" altLang="zh-CN" dirty="0"/>
+              <a:t>K-means CUDA</a:t>
             </a:r>
             <a:endParaRPr lang="zh-CN" altLang="ru-RU" dirty="0">
               <a:ea typeface="Microsoft YaHei UI" panose="020B0503020204020204" pitchFamily="34" charset="-122"/>
@@ -11087,10 +11155,10 @@
       </p:sp>
       <p:graphicFrame>
         <p:nvGraphicFramePr>
-          <p:cNvPr id="4" name="内容占位符 3">
+          <p:cNvPr id="7" name="内容占位符 6">
             <a:extLst>
               <a:ext uri="{FF2B5EF4-FFF2-40B4-BE49-F238E27FC236}">
-                <a16:creationId xmlns:a16="http://schemas.microsoft.com/office/drawing/2014/main" id="{33A0A7B9-76B9-44E1-879C-D6119B4506F2}"/>
+                <a16:creationId xmlns:a16="http://schemas.microsoft.com/office/drawing/2014/main" id="{969B4879-4433-42C1-84AC-F9D326F6DA5F}"/>
               </a:ext>
             </a:extLst>
           </p:cNvPr>
@@ -11101,14 +11169,14 @@
             <p:ph sz="half" idx="1"/>
             <p:extLst>
               <p:ext uri="{D42A27DB-BD31-4B8C-83A1-F6EECF244321}">
-                <p14:modId xmlns:p14="http://schemas.microsoft.com/office/powerpoint/2010/main" val="3598684157"/>
+                <p14:modId xmlns:p14="http://schemas.microsoft.com/office/powerpoint/2010/main" val="3651891944"/>
               </p:ext>
             </p:extLst>
           </p:nvPr>
         </p:nvGraphicFramePr>
         <p:xfrm>
-          <a:off x="514350" y="1812925"/>
-          <a:ext cx="10906125" cy="4283075"/>
+          <a:off x="138545" y="1468582"/>
+          <a:ext cx="11822546" cy="4821381"/>
         </p:xfrm>
         <a:graphic>
           <a:graphicData uri="http://schemas.openxmlformats.org/drawingml/2006/chart">
@@ -11119,7 +11187,7 @@
     </p:spTree>
     <p:extLst>
       <p:ext uri="{BB962C8B-B14F-4D97-AF65-F5344CB8AC3E}">
-        <p14:creationId xmlns:p14="http://schemas.microsoft.com/office/powerpoint/2010/main" val="3823607559"/>
+        <p14:creationId xmlns:p14="http://schemas.microsoft.com/office/powerpoint/2010/main" val="1762293600"/>
       </p:ext>
     </p:extLst>
   </p:cSld>
@@ -11246,7 +11314,7 @@
           <a:p>
             <a:r>
               <a:rPr lang="en-US" altLang="zh-CN" dirty="0"/>
-              <a:t>K-means CUDA</a:t>
+              <a:t>K-means MPI</a:t>
             </a:r>
             <a:endParaRPr lang="zh-CN" altLang="ru-RU" dirty="0">
               <a:ea typeface="Microsoft YaHei UI" panose="020B0503020204020204" pitchFamily="34" charset="-122"/>
@@ -11256,10 +11324,10 @@
       </p:sp>
       <p:graphicFrame>
         <p:nvGraphicFramePr>
-          <p:cNvPr id="7" name="内容占位符 6">
+          <p:cNvPr id="4" name="内容占位符 3">
             <a:extLst>
               <a:ext uri="{FF2B5EF4-FFF2-40B4-BE49-F238E27FC236}">
-                <a16:creationId xmlns:a16="http://schemas.microsoft.com/office/drawing/2014/main" id="{969B4879-4433-42C1-84AC-F9D326F6DA5F}"/>
+                <a16:creationId xmlns:a16="http://schemas.microsoft.com/office/drawing/2014/main" id="{6B251A3B-45A1-42A9-A5E6-067666776B57}"/>
               </a:ext>
             </a:extLst>
           </p:cNvPr>
@@ -11270,14 +11338,14 @@
             <p:ph sz="half" idx="1"/>
             <p:extLst>
               <p:ext uri="{D42A27DB-BD31-4B8C-83A1-F6EECF244321}">
-                <p14:modId xmlns:p14="http://schemas.microsoft.com/office/powerpoint/2010/main" val="3651891944"/>
+                <p14:modId xmlns:p14="http://schemas.microsoft.com/office/powerpoint/2010/main" val="170520329"/>
               </p:ext>
             </p:extLst>
           </p:nvPr>
         </p:nvGraphicFramePr>
         <p:xfrm>
-          <a:off x="138545" y="1468582"/>
-          <a:ext cx="11822546" cy="4821381"/>
+          <a:off x="212436" y="1440873"/>
+          <a:ext cx="11665528" cy="4886036"/>
         </p:xfrm>
         <a:graphic>
           <a:graphicData uri="http://schemas.openxmlformats.org/drawingml/2006/chart">
@@ -11288,7 +11356,7 @@
     </p:spTree>
     <p:extLst>
       <p:ext uri="{BB962C8B-B14F-4D97-AF65-F5344CB8AC3E}">
-        <p14:creationId xmlns:p14="http://schemas.microsoft.com/office/powerpoint/2010/main" val="1762293600"/>
+        <p14:creationId xmlns:p14="http://schemas.microsoft.com/office/powerpoint/2010/main" val="4215849206"/>
       </p:ext>
     </p:extLst>
   </p:cSld>
@@ -11414,175 +11482,6 @@
           <a:lstStyle/>
           <a:p>
             <a:r>
-              <a:rPr lang="en-US" altLang="zh-CN" dirty="0"/>
-              <a:t>K-means MPI</a:t>
-            </a:r>
-            <a:endParaRPr lang="zh-CN" altLang="ru-RU" dirty="0">
-              <a:ea typeface="Microsoft YaHei UI" panose="020B0503020204020204" pitchFamily="34" charset="-122"/>
-            </a:endParaRPr>
-          </a:p>
-        </p:txBody>
-      </p:sp>
-      <p:graphicFrame>
-        <p:nvGraphicFramePr>
-          <p:cNvPr id="4" name="内容占位符 3">
-            <a:extLst>
-              <a:ext uri="{FF2B5EF4-FFF2-40B4-BE49-F238E27FC236}">
-                <a16:creationId xmlns:a16="http://schemas.microsoft.com/office/drawing/2014/main" id="{6B251A3B-45A1-42A9-A5E6-067666776B57}"/>
-              </a:ext>
-            </a:extLst>
-          </p:cNvPr>
-          <p:cNvGraphicFramePr>
-            <a:graphicFrameLocks noGrp="1"/>
-          </p:cNvGraphicFramePr>
-          <p:nvPr>
-            <p:ph sz="half" idx="1"/>
-            <p:extLst>
-              <p:ext uri="{D42A27DB-BD31-4B8C-83A1-F6EECF244321}">
-                <p14:modId xmlns:p14="http://schemas.microsoft.com/office/powerpoint/2010/main" val="433363066"/>
-              </p:ext>
-            </p:extLst>
-          </p:nvPr>
-        </p:nvGraphicFramePr>
-        <p:xfrm>
-          <a:off x="212436" y="1440873"/>
-          <a:ext cx="11665528" cy="4886036"/>
-        </p:xfrm>
-        <a:graphic>
-          <a:graphicData uri="http://schemas.openxmlformats.org/drawingml/2006/chart">
-            <c:chart xmlns:c="http://schemas.openxmlformats.org/drawingml/2006/chart" xmlns:r="http://schemas.openxmlformats.org/officeDocument/2006/relationships" r:id="rId4"/>
-          </a:graphicData>
-        </a:graphic>
-      </p:graphicFrame>
-    </p:spTree>
-    <p:extLst>
-      <p:ext uri="{BB962C8B-B14F-4D97-AF65-F5344CB8AC3E}">
-        <p14:creationId xmlns:p14="http://schemas.microsoft.com/office/powerpoint/2010/main" val="4215849206"/>
-      </p:ext>
-    </p:extLst>
-  </p:cSld>
-  <p:clrMapOvr>
-    <a:masterClrMapping/>
-  </p:clrMapOvr>
-</p:sld>
-</file>
-
-<file path=ppt/slides/slide6.xml><?xml version="1.0" encoding="utf-8"?>
-<p:sld xmlns:a="http://schemas.openxmlformats.org/drawingml/2006/main" xmlns:r="http://schemas.openxmlformats.org/officeDocument/2006/relationships" xmlns:p="http://schemas.openxmlformats.org/presentationml/2006/main">
-  <p:cSld>
-    <p:spTree>
-      <p:nvGrpSpPr>
-        <p:cNvPr id="1" name=""/>
-        <p:cNvGrpSpPr/>
-        <p:nvPr/>
-      </p:nvGrpSpPr>
-      <p:grpSpPr>
-        <a:xfrm>
-          <a:off x="0" y="0"/>
-          <a:ext cx="0" cy="0"/>
-          <a:chOff x="0" y="0"/>
-          <a:chExt cx="0" cy="0"/>
-        </a:xfrm>
-      </p:grpSpPr>
-      <p:pic>
-        <p:nvPicPr>
-          <p:cNvPr id="16" name="图片占位符 15" descr="男士展示笔记本电脑上的内容">
-            <a:extLst>
-              <a:ext uri="{FF2B5EF4-FFF2-40B4-BE49-F238E27FC236}">
-                <a16:creationId xmlns:a16="http://schemas.microsoft.com/office/drawing/2014/main" id="{22FB2237-B866-4C19-BF30-A9BFA8E15C02}"/>
-              </a:ext>
-            </a:extLst>
-          </p:cNvPr>
-          <p:cNvPicPr>
-            <a:picLocks noGrp="1" noChangeAspect="1"/>
-          </p:cNvPicPr>
-          <p:nvPr>
-            <p:ph type="pic" sz="quarter" idx="13"/>
-          </p:nvPr>
-        </p:nvPicPr>
-        <p:blipFill>
-          <a:blip r:embed="rId3">
-            <a:duotone>
-              <a:prstClr val="black"/>
-              <a:schemeClr val="accent1">
-                <a:tint val="45000"/>
-                <a:satMod val="400000"/>
-              </a:schemeClr>
-            </a:duotone>
-            <a:alphaModFix amt="10000"/>
-            <a:extLst>
-              <a:ext uri="{28A0092B-C50C-407E-A947-70E740481C1C}">
-                <a14:useLocalDpi xmlns:a14="http://schemas.microsoft.com/office/drawing/2010/main" val="0"/>
-              </a:ext>
-            </a:extLst>
-          </a:blip>
-          <a:srcRect/>
-          <a:stretch/>
-        </p:blipFill>
-        <p:spPr>
-          <a:xfrm>
-            <a:off x="2211" y="0"/>
-            <a:ext cx="12187578" cy="6408000"/>
-          </a:xfrm>
-        </p:spPr>
-      </p:pic>
-      <p:sp>
-        <p:nvSpPr>
-          <p:cNvPr id="17" name="灯片编号占位符 16">
-            <a:extLst>
-              <a:ext uri="{FF2B5EF4-FFF2-40B4-BE49-F238E27FC236}">
-                <a16:creationId xmlns:a16="http://schemas.microsoft.com/office/drawing/2014/main" id="{19D203D7-52C0-41AB-9238-F69D51235EC0}"/>
-              </a:ext>
-            </a:extLst>
-          </p:cNvPr>
-          <p:cNvSpPr>
-            <a:spLocks noGrp="1"/>
-          </p:cNvSpPr>
-          <p:nvPr>
-            <p:ph type="sldNum" sz="quarter" idx="12"/>
-          </p:nvPr>
-        </p:nvSpPr>
-        <p:spPr/>
-        <p:txBody>
-          <a:bodyPr rtlCol="0"/>
-          <a:lstStyle/>
-          <a:p>
-            <a:pPr rtl="0"/>
-            <a:fld id="{3A98EE3D-8CD1-4C3F-BD1C-C98C9596463C}" type="slidenum">
-              <a:rPr lang="en-US" altLang="zh-CN" smtClean="0">
-                <a:ea typeface="Microsoft YaHei UI" panose="020B0503020204020204" pitchFamily="34" charset="-122"/>
-              </a:rPr>
-              <a:pPr rtl="0"/>
-              <a:t>6</a:t>
-            </a:fld>
-            <a:endParaRPr lang="zh-CN" altLang="en-US">
-              <a:ea typeface="Microsoft YaHei UI" panose="020B0503020204020204" pitchFamily="34" charset="-122"/>
-            </a:endParaRPr>
-          </a:p>
-        </p:txBody>
-      </p:sp>
-      <p:sp>
-        <p:nvSpPr>
-          <p:cNvPr id="5" name="标题 4">
-            <a:extLst>
-              <a:ext uri="{FF2B5EF4-FFF2-40B4-BE49-F238E27FC236}">
-                <a16:creationId xmlns:a16="http://schemas.microsoft.com/office/drawing/2014/main" id="{8AD2E63C-40F7-4CF4-BE57-F002221AABF4}"/>
-              </a:ext>
-            </a:extLst>
-          </p:cNvPr>
-          <p:cNvSpPr>
-            <a:spLocks noGrp="1"/>
-          </p:cNvSpPr>
-          <p:nvPr>
-            <p:ph type="title"/>
-          </p:nvPr>
-        </p:nvSpPr>
-        <p:spPr/>
-        <p:txBody>
-          <a:bodyPr rtlCol="0"/>
-          <a:lstStyle/>
-          <a:p>
-            <a:r>
               <a:rPr lang="ru-RU" altLang="zh-CN" dirty="0"/>
               <a:t>Сравнение алгоритмов</a:t>
             </a:r>
@@ -11608,7 +11507,7 @@
             <p:ph sz="half" idx="1"/>
             <p:extLst>
               <p:ext uri="{D42A27DB-BD31-4B8C-83A1-F6EECF244321}">
-                <p14:modId xmlns:p14="http://schemas.microsoft.com/office/powerpoint/2010/main" val="3187474325"/>
+                <p14:modId xmlns:p14="http://schemas.microsoft.com/office/powerpoint/2010/main" val="946134425"/>
               </p:ext>
             </p:extLst>
           </p:nvPr>
@@ -12540,6 +12439,24 @@
 </file>
 
 <file path=customXml/item1.xml><?xml version="1.0" encoding="utf-8"?>
+<p:properties xmlns:p="http://schemas.microsoft.com/office/2006/metadata/properties" xmlns:xsi="http://www.w3.org/2001/XMLSchema-instance" xmlns:pc="http://schemas.microsoft.com/office/infopath/2007/PartnerControls">
+  <documentManagement>
+    <Status xmlns="71af3243-3dd4-4a8d-8c0d-dd76da1f02a5">Not started</Status>
+    <MediaServiceKeyPoints xmlns="71af3243-3dd4-4a8d-8c0d-dd76da1f02a5" xsi:nil="true"/>
+  </documentManagement>
+</p:properties>
+</file>
+
+<file path=customXml/item2.xml><?xml version="1.0" encoding="utf-8"?>
+<?mso-contentType ?>
+<FormTemplates xmlns="http://schemas.microsoft.com/sharepoint/v3/contenttype/forms">
+  <Display>DocumentLibraryForm</Display>
+  <Edit>DocumentLibraryForm</Edit>
+  <New>DocumentLibraryForm</New>
+</FormTemplates>
+</file>
+
+<file path=customXml/item3.xml><?xml version="1.0" encoding="utf-8"?>
 <ct:contentTypeSchema xmlns:ct="http://schemas.microsoft.com/office/2006/metadata/contentType" xmlns:ma="http://schemas.microsoft.com/office/2006/metadata/properties/metaAttributes" ct:_="" ma:_="" ma:contentTypeName="Document" ma:contentTypeID="0x01010079F111ED35F8CC479449609E8A0923A6" ma:contentTypeVersion="12" ma:contentTypeDescription="Create a new document." ma:contentTypeScope="" ma:versionID="fa6e671f1cd7e4d96ff9652be322dd5e">
   <xsd:schema xmlns:xsd="http://www.w3.org/2001/XMLSchema" xmlns:xs="http://www.w3.org/2001/XMLSchema" xmlns:p="http://schemas.microsoft.com/office/2006/metadata/properties" xmlns:ns2="71af3243-3dd4-4a8d-8c0d-dd76da1f02a5" xmlns:ns3="16c05727-aa75-4e4a-9b5f-8a80a1165891" targetNamespace="http://schemas.microsoft.com/office/2006/metadata/properties" ma:root="true" ma:fieldsID="4e2496f70b101db0b8013f30a071bbf7" ns2:_="" ns3:_="">
     <xsd:import namespace="71af3243-3dd4-4a8d-8c0d-dd76da1f02a5"/>
@@ -12760,25 +12677,25 @@
 </ct:contentTypeSchema>
 </file>
 
-<file path=customXml/item2.xml><?xml version="1.0" encoding="utf-8"?>
-<?mso-contentType ?>
-<FormTemplates xmlns="http://schemas.microsoft.com/sharepoint/v3/contenttype/forms">
-  <Display>DocumentLibraryForm</Display>
-  <Edit>DocumentLibraryForm</Edit>
-  <New>DocumentLibraryForm</New>
-</FormTemplates>
+<file path=customXml/itemProps1.xml><?xml version="1.0" encoding="utf-8"?>
+<ds:datastoreItem xmlns:ds="http://schemas.openxmlformats.org/officeDocument/2006/customXml" ds:itemID="{318F16D9-EB65-4F11-9CD9-58377B437CF8}">
+  <ds:schemaRefs>
+    <ds:schemaRef ds:uri="http://schemas.microsoft.com/office/2006/metadata/properties"/>
+    <ds:schemaRef ds:uri="http://schemas.microsoft.com/office/infopath/2007/PartnerControls"/>
+    <ds:schemaRef ds:uri="71af3243-3dd4-4a8d-8c0d-dd76da1f02a5"/>
+  </ds:schemaRefs>
+</ds:datastoreItem>
 </file>
 
-<file path=customXml/item3.xml><?xml version="1.0" encoding="utf-8"?>
-<p:properties xmlns:p="http://schemas.microsoft.com/office/2006/metadata/properties" xmlns:xsi="http://www.w3.org/2001/XMLSchema-instance" xmlns:pc="http://schemas.microsoft.com/office/infopath/2007/PartnerControls">
-  <documentManagement>
-    <Status xmlns="71af3243-3dd4-4a8d-8c0d-dd76da1f02a5">Not started</Status>
-    <MediaServiceKeyPoints xmlns="71af3243-3dd4-4a8d-8c0d-dd76da1f02a5" xsi:nil="true"/>
-  </documentManagement>
-</p:properties>
+<file path=customXml/itemProps2.xml><?xml version="1.0" encoding="utf-8"?>
+<ds:datastoreItem xmlns:ds="http://schemas.openxmlformats.org/officeDocument/2006/customXml" ds:itemID="{9C65060F-1094-41F3-95E3-03DA10677CAD}">
+  <ds:schemaRefs>
+    <ds:schemaRef ds:uri="http://schemas.microsoft.com/sharepoint/v3/contenttype/forms"/>
+  </ds:schemaRefs>
+</ds:datastoreItem>
 </file>
 
-<file path=customXml/itemProps1.xml><?xml version="1.0" encoding="utf-8"?>
+<file path=customXml/itemProps3.xml><?xml version="1.0" encoding="utf-8"?>
 <ds:datastoreItem xmlns:ds="http://schemas.openxmlformats.org/officeDocument/2006/customXml" ds:itemID="{1A09386F-CDB5-4CE9-AE70-AE4E53A63350}">
   <ds:schemaRefs>
     <ds:schemaRef ds:uri="http://schemas.microsoft.com/office/2006/metadata/contentType"/>
@@ -12795,22 +12712,4 @@
     <ds:schemaRef ds:uri="http://schemas.microsoft.com/internal/obd"/>
   </ds:schemaRefs>
 </ds:datastoreItem>
-</file>
-
-<file path=customXml/itemProps2.xml><?xml version="1.0" encoding="utf-8"?>
-<ds:datastoreItem xmlns:ds="http://schemas.openxmlformats.org/officeDocument/2006/customXml" ds:itemID="{9C65060F-1094-41F3-95E3-03DA10677CAD}">
-  <ds:schemaRefs>
-    <ds:schemaRef ds:uri="http://schemas.microsoft.com/sharepoint/v3/contenttype/forms"/>
-  </ds:schemaRefs>
-</ds:datastoreItem>
-</file>
-
-<file path=customXml/itemProps3.xml><?xml version="1.0" encoding="utf-8"?>
-<ds:datastoreItem xmlns:ds="http://schemas.openxmlformats.org/officeDocument/2006/customXml" ds:itemID="{318F16D9-EB65-4F11-9CD9-58377B437CF8}">
-  <ds:schemaRefs>
-    <ds:schemaRef ds:uri="http://schemas.microsoft.com/office/2006/metadata/properties"/>
-    <ds:schemaRef ds:uri="http://schemas.microsoft.com/office/infopath/2007/PartnerControls"/>
-    <ds:schemaRef ds:uri="71af3243-3dd4-4a8d-8c0d-dd76da1f02a5"/>
-  </ds:schemaRefs>
-</ds:datastoreItem>
 </file>